--- a/Matches/USPSA - Renton - September 2020 - Movember/Bay 5 - What’s Behind the Walls.pptx
+++ b/Matches/USPSA - Renton - September 2020 - Movember/Bay 5 - What’s Behind the Walls.pptx
@@ -270,7 +270,7 @@
               <a:pPr>
                 <a:defRPr/>
               </a:pPr>
-              <a:t>26.09.2020</a:t>
+              <a:t>9/27/20</a:t>
             </a:fld>
             <a:endParaRPr lang="en-US"/>
           </a:p>
@@ -8766,44 +8766,6 @@
           </p:txBody>
         </p:sp>
       </p:grpSp>
-      <p:cxnSp>
-        <p:nvCxnSpPr>
-          <p:cNvPr id="141" name="Straight Connector 140">
-            <a:extLst>
-              <a:ext uri="{FF2B5EF4-FFF2-40B4-BE49-F238E27FC236}">
-                <a16:creationId xmlns:a16="http://schemas.microsoft.com/office/drawing/2014/main" id="{00F7473C-8BC9-49E3-81C9-5E009EEDCAFB}"/>
-              </a:ext>
-            </a:extLst>
-          </p:cNvPr>
-          <p:cNvCxnSpPr>
-            <a:cxnSpLocks/>
-          </p:cNvCxnSpPr>
-          <p:nvPr/>
-        </p:nvCxnSpPr>
-        <p:spPr>
-          <a:xfrm flipH="1" flipV="1">
-            <a:off x="2045064" y="7355788"/>
-            <a:ext cx="1678947" cy="1282781"/>
-          </a:xfrm>
-          <a:prstGeom prst="line">
-            <a:avLst/>
-          </a:prstGeom>
-        </p:spPr>
-        <p:style>
-          <a:lnRef idx="2">
-            <a:schemeClr val="dk1"/>
-          </a:lnRef>
-          <a:fillRef idx="0">
-            <a:schemeClr val="dk1"/>
-          </a:fillRef>
-          <a:effectRef idx="1">
-            <a:schemeClr val="dk1"/>
-          </a:effectRef>
-          <a:fontRef idx="minor">
-            <a:schemeClr val="tx1"/>
-          </a:fontRef>
-        </p:style>
-      </p:cxnSp>
       <p:grpSp>
         <p:nvGrpSpPr>
           <p:cNvPr id="142" name="Group 141">
@@ -11875,44 +11837,6 @@
           </p:txBody>
         </p:sp>
       </p:grpSp>
-      <p:cxnSp>
-        <p:nvCxnSpPr>
-          <p:cNvPr id="182" name="Straight Connector 181">
-            <a:extLst>
-              <a:ext uri="{FF2B5EF4-FFF2-40B4-BE49-F238E27FC236}">
-                <a16:creationId xmlns:a16="http://schemas.microsoft.com/office/drawing/2014/main" id="{6DA9F6EE-4148-4E04-8CB0-440349A2B1FB}"/>
-              </a:ext>
-            </a:extLst>
-          </p:cNvPr>
-          <p:cNvCxnSpPr>
-            <a:cxnSpLocks/>
-          </p:cNvCxnSpPr>
-          <p:nvPr/>
-        </p:nvCxnSpPr>
-        <p:spPr>
-          <a:xfrm>
-            <a:off x="3724011" y="8638569"/>
-            <a:ext cx="3534183" cy="15282"/>
-          </a:xfrm>
-          <a:prstGeom prst="line">
-            <a:avLst/>
-          </a:prstGeom>
-        </p:spPr>
-        <p:style>
-          <a:lnRef idx="2">
-            <a:schemeClr val="dk1"/>
-          </a:lnRef>
-          <a:fillRef idx="0">
-            <a:schemeClr val="dk1"/>
-          </a:fillRef>
-          <a:effectRef idx="1">
-            <a:schemeClr val="dk1"/>
-          </a:effectRef>
-          <a:fontRef idx="minor">
-            <a:schemeClr val="tx1"/>
-          </a:fontRef>
-        </p:style>
-      </p:cxnSp>
       <p:sp>
         <p:nvSpPr>
           <p:cNvPr id="183" name="Freeform 36">
@@ -14615,7 +14539,7 @@
         </p:nvSpPr>
         <p:spPr>
           <a:xfrm>
-            <a:off x="6015986" y="8393668"/>
+            <a:off x="4821887" y="7219103"/>
             <a:ext cx="669215" cy="369332"/>
           </a:xfrm>
           <a:prstGeom prst="rect">
